--- a/paper/graphical_abstract.pptx
+++ b/paper/graphical_abstract.pptx
@@ -6,6 +6,7 @@
   </p:sldMasterIdLst>
   <p:sldIdLst>
     <p:sldId id="259" r:id="rId2"/>
+    <p:sldId id="257" r:id="rId3"/>
   </p:sldIdLst>
   <p:sldSz cx="12192000" cy="6858000"/>
   <p:notesSz cx="6858000" cy="9144000"/>
@@ -243,7 +244,7 @@
           <a:p>
             <a:fld id="{B3C7968B-5494-B14A-8488-27A9BF12CDF1}" type="datetimeFigureOut">
               <a:rPr lang="en-US" smtClean="0"/>
-              <a:t>5/1/2025</a:t>
+              <a:t>6/21/25</a:t>
             </a:fld>
             <a:endParaRPr lang="en-US"/>
           </a:p>
@@ -413,7 +414,7 @@
           <a:p>
             <a:fld id="{B3C7968B-5494-B14A-8488-27A9BF12CDF1}" type="datetimeFigureOut">
               <a:rPr lang="en-US" smtClean="0"/>
-              <a:t>5/1/2025</a:t>
+              <a:t>6/21/25</a:t>
             </a:fld>
             <a:endParaRPr lang="en-US"/>
           </a:p>
@@ -593,7 +594,7 @@
           <a:p>
             <a:fld id="{B3C7968B-5494-B14A-8488-27A9BF12CDF1}" type="datetimeFigureOut">
               <a:rPr lang="en-US" smtClean="0"/>
-              <a:t>5/1/2025</a:t>
+              <a:t>6/21/25</a:t>
             </a:fld>
             <a:endParaRPr lang="en-US"/>
           </a:p>
@@ -763,7 +764,7 @@
           <a:p>
             <a:fld id="{B3C7968B-5494-B14A-8488-27A9BF12CDF1}" type="datetimeFigureOut">
               <a:rPr lang="en-US" smtClean="0"/>
-              <a:t>5/1/2025</a:t>
+              <a:t>6/21/25</a:t>
             </a:fld>
             <a:endParaRPr lang="en-US"/>
           </a:p>
@@ -1009,7 +1010,7 @@
           <a:p>
             <a:fld id="{B3C7968B-5494-B14A-8488-27A9BF12CDF1}" type="datetimeFigureOut">
               <a:rPr lang="en-US" smtClean="0"/>
-              <a:t>5/1/2025</a:t>
+              <a:t>6/21/25</a:t>
             </a:fld>
             <a:endParaRPr lang="en-US"/>
           </a:p>
@@ -1241,7 +1242,7 @@
           <a:p>
             <a:fld id="{B3C7968B-5494-B14A-8488-27A9BF12CDF1}" type="datetimeFigureOut">
               <a:rPr lang="en-US" smtClean="0"/>
-              <a:t>5/1/2025</a:t>
+              <a:t>6/21/25</a:t>
             </a:fld>
             <a:endParaRPr lang="en-US"/>
           </a:p>
@@ -1608,7 +1609,7 @@
           <a:p>
             <a:fld id="{B3C7968B-5494-B14A-8488-27A9BF12CDF1}" type="datetimeFigureOut">
               <a:rPr lang="en-US" smtClean="0"/>
-              <a:t>5/1/2025</a:t>
+              <a:t>6/21/25</a:t>
             </a:fld>
             <a:endParaRPr lang="en-US"/>
           </a:p>
@@ -1726,7 +1727,7 @@
           <a:p>
             <a:fld id="{B3C7968B-5494-B14A-8488-27A9BF12CDF1}" type="datetimeFigureOut">
               <a:rPr lang="en-US" smtClean="0"/>
-              <a:t>5/1/2025</a:t>
+              <a:t>6/21/25</a:t>
             </a:fld>
             <a:endParaRPr lang="en-US"/>
           </a:p>
@@ -1821,7 +1822,7 @@
           <a:p>
             <a:fld id="{B3C7968B-5494-B14A-8488-27A9BF12CDF1}" type="datetimeFigureOut">
               <a:rPr lang="en-US" smtClean="0"/>
-              <a:t>5/1/2025</a:t>
+              <a:t>6/21/25</a:t>
             </a:fld>
             <a:endParaRPr lang="en-US"/>
           </a:p>
@@ -2098,7 +2099,7 @@
           <a:p>
             <a:fld id="{B3C7968B-5494-B14A-8488-27A9BF12CDF1}" type="datetimeFigureOut">
               <a:rPr lang="en-US" smtClean="0"/>
-              <a:t>5/1/2025</a:t>
+              <a:t>6/21/25</a:t>
             </a:fld>
             <a:endParaRPr lang="en-US"/>
           </a:p>
@@ -2355,7 +2356,7 @@
           <a:p>
             <a:fld id="{B3C7968B-5494-B14A-8488-27A9BF12CDF1}" type="datetimeFigureOut">
               <a:rPr lang="en-US" smtClean="0"/>
-              <a:t>5/1/2025</a:t>
+              <a:t>6/21/25</a:t>
             </a:fld>
             <a:endParaRPr lang="en-US"/>
           </a:p>
@@ -2568,7 +2569,7 @@
           <a:p>
             <a:fld id="{B3C7968B-5494-B14A-8488-27A9BF12CDF1}" type="datetimeFigureOut">
               <a:rPr lang="en-US" smtClean="0"/>
-              <a:t>5/1/2025</a:t>
+              <a:t>6/21/25</a:t>
             </a:fld>
             <a:endParaRPr lang="en-US"/>
           </a:p>
@@ -4727,6 +4728,2189 @@
 </p:sld>
 </file>
 
+<file path=ppt/slides/slide2.xml><?xml version="1.0" encoding="utf-8"?>
+<p:sld xmlns:a="http://schemas.openxmlformats.org/drawingml/2006/main" xmlns:r="http://schemas.openxmlformats.org/officeDocument/2006/relationships" xmlns:p="http://schemas.openxmlformats.org/presentationml/2006/main">
+  <p:cSld>
+    <p:spTree>
+      <p:nvGrpSpPr>
+        <p:cNvPr id="1" name=""/>
+        <p:cNvGrpSpPr/>
+        <p:nvPr/>
+      </p:nvGrpSpPr>
+      <p:grpSpPr>
+        <a:xfrm>
+          <a:off x="0" y="0"/>
+          <a:ext cx="0" cy="0"/>
+          <a:chOff x="0" y="0"/>
+          <a:chExt cx="0" cy="0"/>
+        </a:xfrm>
+      </p:grpSpPr>
+      <p:sp>
+        <p:nvSpPr>
+          <p:cNvPr id="43" name="Rectangle 42">
+            <a:extLst>
+              <a:ext uri="{FF2B5EF4-FFF2-40B4-BE49-F238E27FC236}">
+                <a16:creationId xmlns:a16="http://schemas.microsoft.com/office/drawing/2014/main" id="{C4DA73BF-E49E-567C-53A3-41BCAF18F265}"/>
+              </a:ext>
+            </a:extLst>
+          </p:cNvPr>
+          <p:cNvSpPr/>
+          <p:nvPr/>
+        </p:nvSpPr>
+        <p:spPr>
+          <a:xfrm>
+            <a:off x="0" y="9794"/>
+            <a:ext cx="12192000" cy="6848206"/>
+          </a:xfrm>
+          <a:prstGeom prst="rect">
+            <a:avLst/>
+          </a:prstGeom>
+          <a:solidFill>
+            <a:schemeClr val="bg1"/>
+          </a:solidFill>
+          <a:ln>
+            <a:noFill/>
+          </a:ln>
+        </p:spPr>
+        <p:style>
+          <a:lnRef idx="2">
+            <a:schemeClr val="accent1">
+              <a:shade val="15000"/>
+            </a:schemeClr>
+          </a:lnRef>
+          <a:fillRef idx="1">
+            <a:schemeClr val="accent1"/>
+          </a:fillRef>
+          <a:effectRef idx="0">
+            <a:schemeClr val="accent1"/>
+          </a:effectRef>
+          <a:fontRef idx="minor">
+            <a:schemeClr val="lt1"/>
+          </a:fontRef>
+        </p:style>
+        <p:txBody>
+          <a:bodyPr rtlCol="0" anchor="ctr"/>
+          <a:lstStyle/>
+          <a:p>
+            <a:pPr algn="ctr"/>
+            <a:endParaRPr lang="en-US"/>
+          </a:p>
+        </p:txBody>
+      </p:sp>
+      <p:sp>
+        <p:nvSpPr>
+          <p:cNvPr id="2" name="Rectangle 1">
+            <a:extLst>
+              <a:ext uri="{FF2B5EF4-FFF2-40B4-BE49-F238E27FC236}">
+                <a16:creationId xmlns:a16="http://schemas.microsoft.com/office/drawing/2014/main" id="{CC662FCC-E0C9-D620-A01D-2B3C07ED429D}"/>
+              </a:ext>
+            </a:extLst>
+          </p:cNvPr>
+          <p:cNvSpPr/>
+          <p:nvPr/>
+        </p:nvSpPr>
+        <p:spPr>
+          <a:xfrm>
+            <a:off x="0" y="5943600"/>
+            <a:ext cx="12192000" cy="914400"/>
+          </a:xfrm>
+          <a:prstGeom prst="rect">
+            <a:avLst/>
+          </a:prstGeom>
+          <a:solidFill>
+            <a:srgbClr val="005035"/>
+          </a:solidFill>
+          <a:ln>
+            <a:noFill/>
+          </a:ln>
+        </p:spPr>
+        <p:style>
+          <a:lnRef idx="2">
+            <a:schemeClr val="accent1">
+              <a:shade val="15000"/>
+            </a:schemeClr>
+          </a:lnRef>
+          <a:fillRef idx="1">
+            <a:schemeClr val="accent1"/>
+          </a:fillRef>
+          <a:effectRef idx="0">
+            <a:schemeClr val="accent1"/>
+          </a:effectRef>
+          <a:fontRef idx="minor">
+            <a:schemeClr val="lt1"/>
+          </a:fontRef>
+        </p:style>
+        <p:txBody>
+          <a:bodyPr rtlCol="0" anchor="ctr"/>
+          <a:lstStyle/>
+          <a:p>
+            <a:pPr algn="ctr"/>
+            <a:r>
+              <a:rPr lang="en-US" dirty="0"/>
+              <a:t>Santolla and Ford, 2025</a:t>
+            </a:r>
+          </a:p>
+        </p:txBody>
+      </p:sp>
+      <p:pic>
+        <p:nvPicPr>
+          <p:cNvPr id="2050" name="Picture 2">
+            <a:extLst>
+              <a:ext uri="{FF2B5EF4-FFF2-40B4-BE49-F238E27FC236}">
+                <a16:creationId xmlns:a16="http://schemas.microsoft.com/office/drawing/2014/main" id="{427A63BA-54D3-E20F-996A-9A4E7FEAC30E}"/>
+              </a:ext>
+            </a:extLst>
+          </p:cNvPr>
+          <p:cNvPicPr>
+            <a:picLocks noChangeAspect="1" noChangeArrowheads="1"/>
+          </p:cNvPicPr>
+          <p:nvPr/>
+        </p:nvPicPr>
+        <p:blipFill>
+          <a:blip r:embed="rId2">
+            <a:extLst>
+              <a:ext uri="{28A0092B-C50C-407E-A947-70E740481C1C}">
+                <a14:useLocalDpi xmlns:a14="http://schemas.microsoft.com/office/drawing/2010/main" val="0"/>
+              </a:ext>
+            </a:extLst>
+          </a:blip>
+          <a:srcRect/>
+          <a:stretch>
+            <a:fillRect/>
+          </a:stretch>
+        </p:blipFill>
+        <p:spPr bwMode="auto">
+          <a:xfrm>
+            <a:off x="210065" y="6126480"/>
+            <a:ext cx="2375172" cy="548640"/>
+          </a:xfrm>
+          <a:prstGeom prst="rect">
+            <a:avLst/>
+          </a:prstGeom>
+          <a:noFill/>
+          <a:extLst>
+            <a:ext uri="{909E8E84-426E-40DD-AFC4-6F175D3DCCD1}">
+              <a14:hiddenFill xmlns:a14="http://schemas.microsoft.com/office/drawing/2010/main">
+                <a:solidFill>
+                  <a:srgbClr val="FFFFFF"/>
+                </a:solidFill>
+              </a14:hiddenFill>
+            </a:ext>
+          </a:extLst>
+        </p:spPr>
+      </p:pic>
+      <p:pic>
+        <p:nvPicPr>
+          <p:cNvPr id="6" name="Graphic 5">
+            <a:extLst>
+              <a:ext uri="{FF2B5EF4-FFF2-40B4-BE49-F238E27FC236}">
+                <a16:creationId xmlns:a16="http://schemas.microsoft.com/office/drawing/2014/main" id="{9169E8A2-6407-247A-53D0-2268436BBF4F}"/>
+              </a:ext>
+            </a:extLst>
+          </p:cNvPr>
+          <p:cNvPicPr>
+            <a:picLocks noChangeAspect="1"/>
+          </p:cNvPicPr>
+          <p:nvPr/>
+        </p:nvPicPr>
+        <p:blipFill>
+          <a:blip r:embed="rId3">
+            <a:extLst>
+              <a:ext uri="{96DAC541-7B7A-43D3-8B79-37D633B846F1}">
+                <asvg:svgBlip xmlns:asvg="http://schemas.microsoft.com/office/drawing/2016/SVG/main" r:embed="rId4"/>
+              </a:ext>
+            </a:extLst>
+          </a:blip>
+          <a:stretch>
+            <a:fillRect/>
+          </a:stretch>
+        </p:blipFill>
+        <p:spPr>
+          <a:xfrm>
+            <a:off x="9878613" y="5858284"/>
+            <a:ext cx="2375172" cy="1085032"/>
+          </a:xfrm>
+          <a:prstGeom prst="rect">
+            <a:avLst/>
+          </a:prstGeom>
+        </p:spPr>
+      </p:pic>
+      <p:sp>
+        <p:nvSpPr>
+          <p:cNvPr id="7" name="Rectangle 6">
+            <a:extLst>
+              <a:ext uri="{FF2B5EF4-FFF2-40B4-BE49-F238E27FC236}">
+                <a16:creationId xmlns:a16="http://schemas.microsoft.com/office/drawing/2014/main" id="{9366B952-4E83-BBF6-BD62-C8D88F1A14BB}"/>
+              </a:ext>
+            </a:extLst>
+          </p:cNvPr>
+          <p:cNvSpPr/>
+          <p:nvPr/>
+        </p:nvSpPr>
+        <p:spPr>
+          <a:xfrm>
+            <a:off x="0" y="0"/>
+            <a:ext cx="12192000" cy="914400"/>
+          </a:xfrm>
+          <a:prstGeom prst="rect">
+            <a:avLst/>
+          </a:prstGeom>
+          <a:solidFill>
+            <a:srgbClr val="005035"/>
+          </a:solidFill>
+          <a:ln>
+            <a:noFill/>
+          </a:ln>
+        </p:spPr>
+        <p:style>
+          <a:lnRef idx="2">
+            <a:schemeClr val="accent1">
+              <a:shade val="15000"/>
+            </a:schemeClr>
+          </a:lnRef>
+          <a:fillRef idx="1">
+            <a:schemeClr val="accent1"/>
+          </a:fillRef>
+          <a:effectRef idx="0">
+            <a:schemeClr val="accent1"/>
+          </a:effectRef>
+          <a:fontRef idx="minor">
+            <a:schemeClr val="lt1"/>
+          </a:fontRef>
+        </p:style>
+        <p:txBody>
+          <a:bodyPr rtlCol="0" anchor="ctr"/>
+          <a:lstStyle/>
+          <a:p>
+            <a:pPr algn="ctr"/>
+            <a:r>
+              <a:rPr lang="en-US" sz="2400" dirty="0">
+                <a:latin typeface="Arial" panose="020B0604020202020204" pitchFamily="34" charset="0"/>
+                <a:cs typeface="Arial" panose="020B0604020202020204" pitchFamily="34" charset="0"/>
+              </a:rPr>
+              <a:t>AI-Based Antibody Design Targeting Recent H5N1 Avian Influenza Strains</a:t>
+            </a:r>
+          </a:p>
+        </p:txBody>
+      </p:sp>
+      <p:pic>
+        <p:nvPicPr>
+          <p:cNvPr id="4" name="Picture 3" descr="A screenshot of a computer&#10;&#10;AI-generated content may be incorrect.">
+            <a:extLst>
+              <a:ext uri="{FF2B5EF4-FFF2-40B4-BE49-F238E27FC236}">
+                <a16:creationId xmlns:a16="http://schemas.microsoft.com/office/drawing/2014/main" id="{77970069-3FD8-B795-40DE-31113ABFB345}"/>
+              </a:ext>
+            </a:extLst>
+          </p:cNvPr>
+          <p:cNvPicPr>
+            <a:picLocks noChangeAspect="1"/>
+          </p:cNvPicPr>
+          <p:nvPr/>
+        </p:nvPicPr>
+        <p:blipFill>
+          <a:blip r:embed="rId5"/>
+          <a:stretch>
+            <a:fillRect/>
+          </a:stretch>
+        </p:blipFill>
+        <p:spPr>
+          <a:xfrm>
+            <a:off x="5801352" y="838227"/>
+            <a:ext cx="6279437" cy="3991357"/>
+          </a:xfrm>
+          <a:prstGeom prst="rect">
+            <a:avLst/>
+          </a:prstGeom>
+        </p:spPr>
+      </p:pic>
+      <p:sp>
+        <p:nvSpPr>
+          <p:cNvPr id="5" name="Rectangle 4">
+            <a:extLst>
+              <a:ext uri="{FF2B5EF4-FFF2-40B4-BE49-F238E27FC236}">
+                <a16:creationId xmlns:a16="http://schemas.microsoft.com/office/drawing/2014/main" id="{124EB1EF-F50D-F2AD-8737-59CE3CE57675}"/>
+              </a:ext>
+            </a:extLst>
+          </p:cNvPr>
+          <p:cNvSpPr/>
+          <p:nvPr/>
+        </p:nvSpPr>
+        <p:spPr>
+          <a:xfrm>
+            <a:off x="6448980" y="4723396"/>
+            <a:ext cx="5107269" cy="1177546"/>
+          </a:xfrm>
+          <a:prstGeom prst="rect">
+            <a:avLst/>
+          </a:prstGeom>
+          <a:solidFill>
+            <a:srgbClr val="635A3B"/>
+          </a:solidFill>
+          <a:ln>
+            <a:solidFill>
+              <a:srgbClr val="013D28"/>
+            </a:solidFill>
+          </a:ln>
+        </p:spPr>
+        <p:style>
+          <a:lnRef idx="2">
+            <a:schemeClr val="accent1">
+              <a:shade val="15000"/>
+            </a:schemeClr>
+          </a:lnRef>
+          <a:fillRef idx="1">
+            <a:schemeClr val="accent1"/>
+          </a:fillRef>
+          <a:effectRef idx="0">
+            <a:schemeClr val="accent1"/>
+          </a:effectRef>
+          <a:fontRef idx="minor">
+            <a:schemeClr val="lt1"/>
+          </a:fontRef>
+        </p:style>
+        <p:txBody>
+          <a:bodyPr rtlCol="0" anchor="ctr"/>
+          <a:lstStyle/>
+          <a:p>
+            <a:pPr algn="just"/>
+            <a:r>
+              <a:rPr lang="en-US" b="1" dirty="0"/>
+              <a:t>Conclusion: </a:t>
+            </a:r>
+            <a:r>
+              <a:rPr lang="en-US" dirty="0"/>
+              <a:t>The </a:t>
+            </a:r>
+            <a:r>
+              <a:rPr lang="en-US" i="1" dirty="0"/>
+              <a:t>Frankies</a:t>
+            </a:r>
+            <a:r>
+              <a:rPr lang="en-US" dirty="0"/>
+              <a:t> AI-based antibody generation pipeline provides a reliable method to generate </a:t>
+            </a:r>
+            <a:r>
+              <a:rPr lang="en-US" dirty="0" err="1"/>
+              <a:t>Fv</a:t>
+            </a:r>
+            <a:r>
+              <a:rPr lang="en-US" dirty="0"/>
+              <a:t> structures that bind to desired antigen targets, such as recent H5N1 influenza strains.</a:t>
+            </a:r>
+          </a:p>
+        </p:txBody>
+      </p:sp>
+      <p:grpSp>
+        <p:nvGrpSpPr>
+          <p:cNvPr id="42" name="Group 41">
+            <a:extLst>
+              <a:ext uri="{FF2B5EF4-FFF2-40B4-BE49-F238E27FC236}">
+                <a16:creationId xmlns:a16="http://schemas.microsoft.com/office/drawing/2014/main" id="{B6795E1A-B7AA-613E-8FCF-FF7A8910DF71}"/>
+              </a:ext>
+            </a:extLst>
+          </p:cNvPr>
+          <p:cNvGrpSpPr/>
+          <p:nvPr/>
+        </p:nvGrpSpPr>
+        <p:grpSpPr>
+          <a:xfrm>
+            <a:off x="210065" y="1127587"/>
+            <a:ext cx="4639340" cy="4602826"/>
+            <a:chOff x="635751" y="1343705"/>
+            <a:chExt cx="4114800" cy="4082414"/>
+          </a:xfrm>
+        </p:grpSpPr>
+        <p:sp>
+          <p:nvSpPr>
+            <p:cNvPr id="8" name="Google Shape;240;p41">
+              <a:extLst>
+                <a:ext uri="{FF2B5EF4-FFF2-40B4-BE49-F238E27FC236}">
+                  <a16:creationId xmlns:a16="http://schemas.microsoft.com/office/drawing/2014/main" id="{865BB9C1-12AD-5939-6F1B-A886A77B0363}"/>
+                </a:ext>
+              </a:extLst>
+            </p:cNvPr>
+            <p:cNvSpPr/>
+            <p:nvPr/>
+          </p:nvSpPr>
+          <p:spPr>
+            <a:xfrm>
+              <a:off x="635755" y="1343705"/>
+              <a:ext cx="4114796" cy="300628"/>
+            </a:xfrm>
+            <a:prstGeom prst="rect">
+              <a:avLst/>
+            </a:prstGeom>
+            <a:solidFill>
+              <a:srgbClr val="007377"/>
+            </a:solidFill>
+            <a:ln w="19050" cap="flat" cmpd="sng">
+              <a:solidFill>
+                <a:schemeClr val="lt1"/>
+              </a:solidFill>
+              <a:prstDash val="solid"/>
+              <a:miter lim="800000"/>
+              <a:headEnd type="none" w="sm" len="sm"/>
+              <a:tailEnd type="none" w="sm" len="sm"/>
+            </a:ln>
+          </p:spPr>
+          <p:txBody>
+            <a:bodyPr spcFirstLastPara="1" wrap="square" lIns="68575" tIns="34275" rIns="68575" bIns="34275" anchor="ctr" anchorCtr="0">
+              <a:noAutofit/>
+            </a:bodyPr>
+            <a:lstStyle/>
+            <a:p>
+              <a:pPr marL="0" marR="0" lvl="0" indent="0" algn="ctr" rtl="0">
+                <a:spcBef>
+                  <a:spcPts val="0"/>
+                </a:spcBef>
+                <a:spcAft>
+                  <a:spcPts val="0"/>
+                </a:spcAft>
+                <a:buNone/>
+              </a:pPr>
+              <a:r>
+                <a:rPr lang="en" sz="1200" dirty="0">
+                  <a:solidFill>
+                    <a:schemeClr val="lt1"/>
+                  </a:solidFill>
+                  <a:latin typeface="Arial" panose="020B0604020202020204" pitchFamily="34" charset="0"/>
+                  <a:cs typeface="Arial" panose="020B0604020202020204" pitchFamily="34" charset="0"/>
+                </a:rPr>
+                <a:t>D</a:t>
+              </a:r>
+              <a:r>
+                <a:rPr lang="en-US" sz="1200" dirty="0" err="1">
+                  <a:solidFill>
+                    <a:schemeClr val="lt1"/>
+                  </a:solidFill>
+                  <a:latin typeface="Arial" panose="020B0604020202020204" pitchFamily="34" charset="0"/>
+                  <a:cs typeface="Arial" panose="020B0604020202020204" pitchFamily="34" charset="0"/>
+                </a:rPr>
+                <a:t>ata</a:t>
+              </a:r>
+              <a:r>
+                <a:rPr lang="en-US" sz="1200" dirty="0">
+                  <a:solidFill>
+                    <a:schemeClr val="lt1"/>
+                  </a:solidFill>
+                  <a:latin typeface="Arial" panose="020B0604020202020204" pitchFamily="34" charset="0"/>
+                  <a:cs typeface="Arial" panose="020B0604020202020204" pitchFamily="34" charset="0"/>
+                </a:rPr>
+                <a:t> Preparation </a:t>
+              </a:r>
+              <a:endParaRPr sz="1100" dirty="0">
+                <a:latin typeface="Arial" panose="020B0604020202020204" pitchFamily="34" charset="0"/>
+                <a:cs typeface="Arial" panose="020B0604020202020204" pitchFamily="34" charset="0"/>
+              </a:endParaRPr>
+            </a:p>
+          </p:txBody>
+        </p:sp>
+        <p:sp>
+          <p:nvSpPr>
+            <p:cNvPr id="9" name="Google Shape;240;p41">
+              <a:extLst>
+                <a:ext uri="{FF2B5EF4-FFF2-40B4-BE49-F238E27FC236}">
+                  <a16:creationId xmlns:a16="http://schemas.microsoft.com/office/drawing/2014/main" id="{7D4EA2CB-2E19-3ACA-05A8-8DEB5FC0857C}"/>
+                </a:ext>
+              </a:extLst>
+            </p:cNvPr>
+            <p:cNvSpPr/>
+            <p:nvPr/>
+          </p:nvSpPr>
+          <p:spPr>
+            <a:xfrm>
+              <a:off x="635753" y="1644333"/>
+              <a:ext cx="4114798" cy="914400"/>
+            </a:xfrm>
+            <a:prstGeom prst="rect">
+              <a:avLst/>
+            </a:prstGeom>
+            <a:solidFill>
+              <a:srgbClr val="004A4C"/>
+            </a:solidFill>
+            <a:ln w="19050" cap="flat" cmpd="sng">
+              <a:solidFill>
+                <a:schemeClr val="lt1"/>
+              </a:solidFill>
+              <a:prstDash val="solid"/>
+              <a:miter lim="800000"/>
+              <a:headEnd type="none" w="sm" len="sm"/>
+              <a:tailEnd type="none" w="sm" len="sm"/>
+            </a:ln>
+          </p:spPr>
+          <p:txBody>
+            <a:bodyPr spcFirstLastPara="1" wrap="square" lIns="68575" tIns="34275" rIns="68575" bIns="34275" anchor="ctr" anchorCtr="0">
+              <a:noAutofit/>
+            </a:bodyPr>
+            <a:lstStyle/>
+            <a:p>
+              <a:pPr marL="0" marR="0" lvl="0" indent="0" algn="ctr" rtl="0">
+                <a:spcBef>
+                  <a:spcPts val="0"/>
+                </a:spcBef>
+                <a:spcAft>
+                  <a:spcPts val="0"/>
+                </a:spcAft>
+                <a:buNone/>
+              </a:pPr>
+              <a:endParaRPr sz="1100" dirty="0">
+                <a:latin typeface="Arial" panose="020B0604020202020204" pitchFamily="34" charset="0"/>
+                <a:cs typeface="Arial" panose="020B0604020202020204" pitchFamily="34" charset="0"/>
+              </a:endParaRPr>
+            </a:p>
+          </p:txBody>
+        </p:sp>
+        <p:pic>
+          <p:nvPicPr>
+            <p:cNvPr id="10" name="Picture 9" descr="A white string on a black background&#10;&#10;Description automatically generated">
+              <a:extLst>
+                <a:ext uri="{FF2B5EF4-FFF2-40B4-BE49-F238E27FC236}">
+                  <a16:creationId xmlns:a16="http://schemas.microsoft.com/office/drawing/2014/main" id="{B6477776-A30E-5D63-3B29-34A539893AB6}"/>
+                </a:ext>
+              </a:extLst>
+            </p:cNvPr>
+            <p:cNvPicPr>
+              <a:picLocks noChangeAspect="1"/>
+            </p:cNvPicPr>
+            <p:nvPr/>
+          </p:nvPicPr>
+          <p:blipFill>
+            <a:blip r:embed="rId6">
+              <a:extLst>
+                <a:ext uri="{BEBA8EAE-BF5A-486C-A8C5-ECC9F3942E4B}">
+                  <a14:imgProps xmlns:a14="http://schemas.microsoft.com/office/drawing/2010/main">
+                    <a14:imgLayer r:embed="rId7">
+                      <a14:imgEffect>
+                        <a14:brightnessContrast bright="40000" contrast="-40000"/>
+                      </a14:imgEffect>
+                    </a14:imgLayer>
+                  </a14:imgProps>
+                </a:ext>
+                <a:ext uri="{28A0092B-C50C-407E-A947-70E740481C1C}">
+                  <a14:useLocalDpi xmlns:a14="http://schemas.microsoft.com/office/drawing/2010/main" val="0"/>
+                </a:ext>
+              </a:extLst>
+            </a:blip>
+            <a:stretch>
+              <a:fillRect/>
+            </a:stretch>
+          </p:blipFill>
+          <p:spPr>
+            <a:xfrm>
+              <a:off x="2432799" y="1685433"/>
+              <a:ext cx="519056" cy="519056"/>
+            </a:xfrm>
+            <a:prstGeom prst="rect">
+              <a:avLst/>
+            </a:prstGeom>
+          </p:spPr>
+        </p:pic>
+        <p:sp>
+          <p:nvSpPr>
+            <p:cNvPr id="11" name="TextBox 10">
+              <a:extLst>
+                <a:ext uri="{FF2B5EF4-FFF2-40B4-BE49-F238E27FC236}">
+                  <a16:creationId xmlns:a16="http://schemas.microsoft.com/office/drawing/2014/main" id="{2C786CE0-06C6-826B-F9D1-5F7C8D9C09C0}"/>
+                </a:ext>
+              </a:extLst>
+            </p:cNvPr>
+            <p:cNvSpPr txBox="1"/>
+            <p:nvPr/>
+          </p:nvSpPr>
+          <p:spPr>
+            <a:xfrm>
+              <a:off x="1918445" y="2101529"/>
+              <a:ext cx="1549411" cy="369332"/>
+            </a:xfrm>
+            <a:prstGeom prst="rect">
+              <a:avLst/>
+            </a:prstGeom>
+            <a:noFill/>
+          </p:spPr>
+          <p:txBody>
+            <a:bodyPr wrap="square" rtlCol="0">
+              <a:spAutoFit/>
+            </a:bodyPr>
+            <a:lstStyle/>
+            <a:p>
+              <a:pPr algn="ctr"/>
+              <a:r>
+                <a:rPr lang="en-US" sz="900" dirty="0">
+                  <a:solidFill>
+                    <a:schemeClr val="bg1"/>
+                  </a:solidFill>
+                  <a:latin typeface="Arial" panose="020B0604020202020204" pitchFamily="34" charset="0"/>
+                  <a:cs typeface="Arial" panose="020B0604020202020204" pitchFamily="34" charset="0"/>
+                </a:rPr>
+                <a:t>Reference</a:t>
+              </a:r>
+            </a:p>
+            <a:p>
+              <a:pPr algn="ctr"/>
+              <a:r>
+                <a:rPr lang="en-US" sz="900" dirty="0">
+                  <a:solidFill>
+                    <a:schemeClr val="bg1"/>
+                  </a:solidFill>
+                  <a:latin typeface="Arial" panose="020B0604020202020204" pitchFamily="34" charset="0"/>
+                  <a:cs typeface="Arial" panose="020B0604020202020204" pitchFamily="34" charset="0"/>
+                </a:rPr>
+                <a:t>Antibodies</a:t>
+              </a:r>
+            </a:p>
+          </p:txBody>
+        </p:sp>
+        <p:sp>
+          <p:nvSpPr>
+            <p:cNvPr id="12" name="Google Shape;240;p41">
+              <a:extLst>
+                <a:ext uri="{FF2B5EF4-FFF2-40B4-BE49-F238E27FC236}">
+                  <a16:creationId xmlns:a16="http://schemas.microsoft.com/office/drawing/2014/main" id="{07C29762-145B-BEE2-DFC0-D88B1B31D89C}"/>
+                </a:ext>
+              </a:extLst>
+            </p:cNvPr>
+            <p:cNvSpPr/>
+            <p:nvPr/>
+          </p:nvSpPr>
+          <p:spPr>
+            <a:xfrm>
+              <a:off x="635753" y="2778805"/>
+              <a:ext cx="4114798" cy="300628"/>
+            </a:xfrm>
+            <a:prstGeom prst="rect">
+              <a:avLst/>
+            </a:prstGeom>
+            <a:solidFill>
+              <a:srgbClr val="005035"/>
+            </a:solidFill>
+            <a:ln w="19050" cap="flat" cmpd="sng">
+              <a:solidFill>
+                <a:schemeClr val="lt1"/>
+              </a:solidFill>
+              <a:prstDash val="solid"/>
+              <a:miter lim="800000"/>
+              <a:headEnd type="none" w="sm" len="sm"/>
+              <a:tailEnd type="none" w="sm" len="sm"/>
+            </a:ln>
+          </p:spPr>
+          <p:txBody>
+            <a:bodyPr spcFirstLastPara="1" wrap="square" lIns="68575" tIns="34275" rIns="68575" bIns="34275" anchor="ctr" anchorCtr="0">
+              <a:noAutofit/>
+            </a:bodyPr>
+            <a:lstStyle/>
+            <a:p>
+              <a:pPr marL="0" marR="0" lvl="0" indent="0" algn="ctr" rtl="0">
+                <a:spcBef>
+                  <a:spcPts val="0"/>
+                </a:spcBef>
+                <a:spcAft>
+                  <a:spcPts val="0"/>
+                </a:spcAft>
+                <a:buNone/>
+              </a:pPr>
+              <a:r>
+                <a:rPr lang="en-US" sz="1200" i="1" dirty="0">
+                  <a:solidFill>
+                    <a:schemeClr val="lt1"/>
+                  </a:solidFill>
+                  <a:latin typeface="Arial" panose="020B0604020202020204" pitchFamily="34" charset="0"/>
+                  <a:cs typeface="Arial" panose="020B0604020202020204" pitchFamily="34" charset="0"/>
+                </a:rPr>
+                <a:t>Frankies</a:t>
+              </a:r>
+              <a:r>
+                <a:rPr lang="en-US" sz="1200" dirty="0">
+                  <a:solidFill>
+                    <a:schemeClr val="lt1"/>
+                  </a:solidFill>
+                  <a:latin typeface="Arial" panose="020B0604020202020204" pitchFamily="34" charset="0"/>
+                  <a:cs typeface="Arial" panose="020B0604020202020204" pitchFamily="34" charset="0"/>
+                </a:rPr>
+                <a:t> Pipelines</a:t>
+              </a:r>
+              <a:endParaRPr sz="1100" dirty="0">
+                <a:latin typeface="Arial" panose="020B0604020202020204" pitchFamily="34" charset="0"/>
+                <a:cs typeface="Arial" panose="020B0604020202020204" pitchFamily="34" charset="0"/>
+              </a:endParaRPr>
+            </a:p>
+          </p:txBody>
+        </p:sp>
+        <p:sp>
+          <p:nvSpPr>
+            <p:cNvPr id="13" name="Google Shape;240;p41">
+              <a:extLst>
+                <a:ext uri="{FF2B5EF4-FFF2-40B4-BE49-F238E27FC236}">
+                  <a16:creationId xmlns:a16="http://schemas.microsoft.com/office/drawing/2014/main" id="{502A8E59-9793-24F0-15BB-929419F6DE12}"/>
+                </a:ext>
+              </a:extLst>
+            </p:cNvPr>
+            <p:cNvSpPr/>
+            <p:nvPr/>
+          </p:nvSpPr>
+          <p:spPr>
+            <a:xfrm>
+              <a:off x="635751" y="3079433"/>
+              <a:ext cx="4114800" cy="914400"/>
+            </a:xfrm>
+            <a:prstGeom prst="rect">
+              <a:avLst/>
+            </a:prstGeom>
+            <a:solidFill>
+              <a:srgbClr val="013D28"/>
+            </a:solidFill>
+            <a:ln w="19050" cap="flat" cmpd="sng">
+              <a:solidFill>
+                <a:schemeClr val="lt1"/>
+              </a:solidFill>
+              <a:prstDash val="solid"/>
+              <a:miter lim="800000"/>
+              <a:headEnd type="none" w="sm" len="sm"/>
+              <a:tailEnd type="none" w="sm" len="sm"/>
+            </a:ln>
+          </p:spPr>
+          <p:txBody>
+            <a:bodyPr spcFirstLastPara="1" wrap="square" lIns="68575" tIns="34275" rIns="68575" bIns="34275" anchor="ctr" anchorCtr="0">
+              <a:noAutofit/>
+            </a:bodyPr>
+            <a:lstStyle/>
+            <a:p>
+              <a:pPr marL="0" marR="0" lvl="0" indent="0" algn="ctr" rtl="0">
+                <a:spcBef>
+                  <a:spcPts val="0"/>
+                </a:spcBef>
+                <a:spcAft>
+                  <a:spcPts val="0"/>
+                </a:spcAft>
+                <a:buNone/>
+              </a:pPr>
+              <a:endParaRPr sz="1100" dirty="0">
+                <a:latin typeface="Arial" panose="020B0604020202020204" pitchFamily="34" charset="0"/>
+                <a:cs typeface="Arial" panose="020B0604020202020204" pitchFamily="34" charset="0"/>
+              </a:endParaRPr>
+            </a:p>
+          </p:txBody>
+        </p:sp>
+        <p:sp>
+          <p:nvSpPr>
+            <p:cNvPr id="14" name="Google Shape;240;p41">
+              <a:extLst>
+                <a:ext uri="{FF2B5EF4-FFF2-40B4-BE49-F238E27FC236}">
+                  <a16:creationId xmlns:a16="http://schemas.microsoft.com/office/drawing/2014/main" id="{390B6423-BA6A-41E4-5C22-A7F2BA19244C}"/>
+                </a:ext>
+              </a:extLst>
+            </p:cNvPr>
+            <p:cNvSpPr/>
+            <p:nvPr/>
+          </p:nvSpPr>
+          <p:spPr>
+            <a:xfrm>
+              <a:off x="3276523" y="1758631"/>
+              <a:ext cx="1358082" cy="685799"/>
+            </a:xfrm>
+            <a:prstGeom prst="rect">
+              <a:avLst/>
+            </a:prstGeom>
+            <a:solidFill>
+              <a:schemeClr val="accent4">
+                <a:lumMod val="75000"/>
+              </a:schemeClr>
+            </a:solidFill>
+            <a:ln w="19050" cap="flat" cmpd="sng">
+              <a:solidFill>
+                <a:schemeClr val="lt1"/>
+              </a:solidFill>
+              <a:prstDash val="solid"/>
+              <a:miter lim="800000"/>
+              <a:headEnd type="none" w="sm" len="sm"/>
+              <a:tailEnd type="none" w="sm" len="sm"/>
+            </a:ln>
+          </p:spPr>
+          <p:txBody>
+            <a:bodyPr spcFirstLastPara="1" wrap="square" lIns="68575" tIns="34275" rIns="68575" bIns="34275" anchor="ctr" anchorCtr="0">
+              <a:noAutofit/>
+            </a:bodyPr>
+            <a:lstStyle/>
+            <a:p>
+              <a:pPr marL="0" marR="0" lvl="0" indent="0" algn="ctr" rtl="0">
+                <a:spcBef>
+                  <a:spcPts val="0"/>
+                </a:spcBef>
+                <a:spcAft>
+                  <a:spcPts val="0"/>
+                </a:spcAft>
+                <a:buNone/>
+              </a:pPr>
+              <a:r>
+                <a:rPr lang="en" sz="1100" dirty="0">
+                  <a:solidFill>
+                    <a:schemeClr val="bg1"/>
+                  </a:solidFill>
+                </a:rPr>
+                <a:t>Sequence Alignment</a:t>
+              </a:r>
+            </a:p>
+            <a:p>
+              <a:pPr marL="0" marR="0" lvl="0" indent="0" algn="ctr" rtl="0">
+                <a:spcBef>
+                  <a:spcPts val="0"/>
+                </a:spcBef>
+                <a:spcAft>
+                  <a:spcPts val="0"/>
+                </a:spcAft>
+                <a:buNone/>
+              </a:pPr>
+              <a:r>
+                <a:rPr lang="en" sz="1100" dirty="0">
+                  <a:solidFill>
+                    <a:schemeClr val="bg1"/>
+                  </a:solidFill>
+                </a:rPr>
+                <a:t>(MUSCLE)</a:t>
+              </a:r>
+              <a:endParaRPr sz="1050" dirty="0">
+                <a:solidFill>
+                  <a:schemeClr val="bg1"/>
+                </a:solidFill>
+              </a:endParaRPr>
+            </a:p>
+          </p:txBody>
+        </p:sp>
+        <p:sp>
+          <p:nvSpPr>
+            <p:cNvPr id="15" name="Google Shape;240;p41">
+              <a:extLst>
+                <a:ext uri="{FF2B5EF4-FFF2-40B4-BE49-F238E27FC236}">
+                  <a16:creationId xmlns:a16="http://schemas.microsoft.com/office/drawing/2014/main" id="{7E1D0E11-403A-C58C-817E-AD7EDB119771}"/>
+                </a:ext>
+              </a:extLst>
+            </p:cNvPr>
+            <p:cNvSpPr/>
+            <p:nvPr/>
+          </p:nvSpPr>
+          <p:spPr>
+            <a:xfrm>
+              <a:off x="751696" y="3378021"/>
+              <a:ext cx="1166749" cy="501511"/>
+            </a:xfrm>
+            <a:prstGeom prst="rect">
+              <a:avLst/>
+            </a:prstGeom>
+            <a:solidFill>
+              <a:srgbClr val="A49665"/>
+            </a:solidFill>
+            <a:ln w="19050" cap="flat" cmpd="sng">
+              <a:solidFill>
+                <a:schemeClr val="lt1"/>
+              </a:solidFill>
+              <a:prstDash val="solid"/>
+              <a:miter lim="800000"/>
+              <a:headEnd type="none" w="sm" len="sm"/>
+              <a:tailEnd type="none" w="sm" len="sm"/>
+            </a:ln>
+          </p:spPr>
+          <p:txBody>
+            <a:bodyPr spcFirstLastPara="1" wrap="square" lIns="68575" tIns="34275" rIns="68575" bIns="34275" anchor="ctr" anchorCtr="0">
+              <a:noAutofit/>
+            </a:bodyPr>
+            <a:lstStyle/>
+            <a:p>
+              <a:pPr marL="0" marR="0" lvl="0" indent="0" algn="ctr" rtl="0">
+                <a:spcBef>
+                  <a:spcPts val="0"/>
+                </a:spcBef>
+                <a:spcAft>
+                  <a:spcPts val="0"/>
+                </a:spcAft>
+                <a:buNone/>
+              </a:pPr>
+              <a:r>
+                <a:rPr lang="en" sz="1100" dirty="0">
+                  <a:solidFill>
+                    <a:schemeClr val="bg1"/>
+                  </a:solidFill>
+                </a:rPr>
+                <a:t>Sequence Diffusion</a:t>
+              </a:r>
+            </a:p>
+            <a:p>
+              <a:pPr marL="0" marR="0" lvl="0" indent="0" algn="ctr" rtl="0">
+                <a:spcBef>
+                  <a:spcPts val="0"/>
+                </a:spcBef>
+                <a:spcAft>
+                  <a:spcPts val="0"/>
+                </a:spcAft>
+                <a:buNone/>
+              </a:pPr>
+              <a:r>
+                <a:rPr lang="en" sz="1100" dirty="0">
+                  <a:solidFill>
+                    <a:schemeClr val="bg1"/>
+                  </a:solidFill>
+                </a:rPr>
+                <a:t>(EvoDiff)</a:t>
+              </a:r>
+              <a:endParaRPr sz="1050" dirty="0">
+                <a:solidFill>
+                  <a:schemeClr val="bg1"/>
+                </a:solidFill>
+              </a:endParaRPr>
+            </a:p>
+          </p:txBody>
+        </p:sp>
+        <p:sp>
+          <p:nvSpPr>
+            <p:cNvPr id="16" name="Google Shape;240;p41">
+              <a:extLst>
+                <a:ext uri="{FF2B5EF4-FFF2-40B4-BE49-F238E27FC236}">
+                  <a16:creationId xmlns:a16="http://schemas.microsoft.com/office/drawing/2014/main" id="{B2B1547F-26C8-477A-0AC4-9DCC66FA6B7B}"/>
+                </a:ext>
+              </a:extLst>
+            </p:cNvPr>
+            <p:cNvSpPr/>
+            <p:nvPr/>
+          </p:nvSpPr>
+          <p:spPr>
+            <a:xfrm>
+              <a:off x="2109776" y="3378021"/>
+              <a:ext cx="1166749" cy="501511"/>
+            </a:xfrm>
+            <a:prstGeom prst="rect">
+              <a:avLst/>
+            </a:prstGeom>
+            <a:solidFill>
+              <a:srgbClr val="A49665"/>
+            </a:solidFill>
+            <a:ln w="19050" cap="flat" cmpd="sng">
+              <a:solidFill>
+                <a:schemeClr val="lt1"/>
+              </a:solidFill>
+              <a:prstDash val="solid"/>
+              <a:miter lim="800000"/>
+              <a:headEnd type="none" w="sm" len="sm"/>
+              <a:tailEnd type="none" w="sm" len="sm"/>
+            </a:ln>
+          </p:spPr>
+          <p:txBody>
+            <a:bodyPr spcFirstLastPara="1" wrap="square" lIns="68575" tIns="34275" rIns="68575" bIns="34275" anchor="ctr" anchorCtr="0">
+              <a:noAutofit/>
+            </a:bodyPr>
+            <a:lstStyle/>
+            <a:p>
+              <a:pPr marL="0" marR="0" lvl="0" indent="0" algn="ctr" rtl="0">
+                <a:spcBef>
+                  <a:spcPts val="0"/>
+                </a:spcBef>
+                <a:spcAft>
+                  <a:spcPts val="0"/>
+                </a:spcAft>
+                <a:buNone/>
+              </a:pPr>
+              <a:r>
+                <a:rPr lang="en" sz="1100" dirty="0">
+                  <a:solidFill>
+                    <a:schemeClr val="bg1"/>
+                  </a:solidFill>
+                </a:rPr>
+                <a:t>Protein Folding</a:t>
+              </a:r>
+            </a:p>
+            <a:p>
+              <a:pPr marL="0" marR="0" lvl="0" indent="0" algn="ctr" rtl="0">
+                <a:spcBef>
+                  <a:spcPts val="0"/>
+                </a:spcBef>
+                <a:spcAft>
+                  <a:spcPts val="0"/>
+                </a:spcAft>
+                <a:buNone/>
+              </a:pPr>
+              <a:r>
+                <a:rPr lang="en" sz="1100" dirty="0">
+                  <a:solidFill>
+                    <a:schemeClr val="bg1"/>
+                  </a:solidFill>
+                </a:rPr>
+                <a:t>(AlphaFold3 /</a:t>
+              </a:r>
+            </a:p>
+            <a:p>
+              <a:pPr marL="0" marR="0" lvl="0" indent="0" algn="ctr" rtl="0">
+                <a:spcBef>
+                  <a:spcPts val="0"/>
+                </a:spcBef>
+                <a:spcAft>
+                  <a:spcPts val="0"/>
+                </a:spcAft>
+                <a:buNone/>
+              </a:pPr>
+              <a:r>
+                <a:rPr lang="en" sz="1100" dirty="0">
+                  <a:solidFill>
+                    <a:schemeClr val="bg1"/>
+                  </a:solidFill>
+                </a:rPr>
+                <a:t>ESM3)</a:t>
+              </a:r>
+              <a:endParaRPr sz="1050" dirty="0">
+                <a:solidFill>
+                  <a:schemeClr val="bg1"/>
+                </a:solidFill>
+              </a:endParaRPr>
+            </a:p>
+          </p:txBody>
+        </p:sp>
+        <p:sp>
+          <p:nvSpPr>
+            <p:cNvPr id="17" name="Google Shape;240;p41">
+              <a:extLst>
+                <a:ext uri="{FF2B5EF4-FFF2-40B4-BE49-F238E27FC236}">
+                  <a16:creationId xmlns:a16="http://schemas.microsoft.com/office/drawing/2014/main" id="{25017962-D47E-46B7-2B11-069A0E4CF5BA}"/>
+                </a:ext>
+              </a:extLst>
+            </p:cNvPr>
+            <p:cNvSpPr/>
+            <p:nvPr/>
+          </p:nvSpPr>
+          <p:spPr>
+            <a:xfrm>
+              <a:off x="3467856" y="3378021"/>
+              <a:ext cx="1166749" cy="501511"/>
+            </a:xfrm>
+            <a:prstGeom prst="rect">
+              <a:avLst/>
+            </a:prstGeom>
+            <a:solidFill>
+              <a:srgbClr val="A49665"/>
+            </a:solidFill>
+            <a:ln w="19050" cap="flat" cmpd="sng">
+              <a:solidFill>
+                <a:schemeClr val="lt1"/>
+              </a:solidFill>
+              <a:prstDash val="solid"/>
+              <a:miter lim="800000"/>
+              <a:headEnd type="none" w="sm" len="sm"/>
+              <a:tailEnd type="none" w="sm" len="sm"/>
+            </a:ln>
+          </p:spPr>
+          <p:txBody>
+            <a:bodyPr spcFirstLastPara="1" wrap="square" lIns="68575" tIns="34275" rIns="68575" bIns="34275" anchor="ctr" anchorCtr="0">
+              <a:noAutofit/>
+            </a:bodyPr>
+            <a:lstStyle/>
+            <a:p>
+              <a:pPr marL="0" marR="0" lvl="0" indent="0" algn="ctr" rtl="0">
+                <a:spcBef>
+                  <a:spcPts val="0"/>
+                </a:spcBef>
+                <a:spcAft>
+                  <a:spcPts val="0"/>
+                </a:spcAft>
+                <a:buNone/>
+              </a:pPr>
+              <a:r>
+                <a:rPr lang="en" sz="1100" dirty="0">
+                  <a:solidFill>
+                    <a:schemeClr val="bg1"/>
+                  </a:solidFill>
+                </a:rPr>
+                <a:t>Antigen Docking</a:t>
+              </a:r>
+            </a:p>
+            <a:p>
+              <a:pPr marL="0" marR="0" lvl="0" indent="0" algn="ctr" rtl="0">
+                <a:spcBef>
+                  <a:spcPts val="0"/>
+                </a:spcBef>
+                <a:spcAft>
+                  <a:spcPts val="0"/>
+                </a:spcAft>
+                <a:buNone/>
+              </a:pPr>
+              <a:r>
+                <a:rPr lang="en" sz="1100" dirty="0">
+                  <a:solidFill>
+                    <a:schemeClr val="bg1"/>
+                  </a:solidFill>
+                </a:rPr>
+                <a:t>(HADDOCK3)</a:t>
+              </a:r>
+              <a:endParaRPr sz="1050" dirty="0">
+                <a:solidFill>
+                  <a:schemeClr val="bg1"/>
+                </a:solidFill>
+              </a:endParaRPr>
+            </a:p>
+          </p:txBody>
+        </p:sp>
+        <p:sp>
+          <p:nvSpPr>
+            <p:cNvPr id="18" name="Google Shape;240;p41">
+              <a:extLst>
+                <a:ext uri="{FF2B5EF4-FFF2-40B4-BE49-F238E27FC236}">
+                  <a16:creationId xmlns:a16="http://schemas.microsoft.com/office/drawing/2014/main" id="{8F8342FF-DA51-7CC7-EBF6-3EC275F8BA04}"/>
+                </a:ext>
+              </a:extLst>
+            </p:cNvPr>
+            <p:cNvSpPr/>
+            <p:nvPr/>
+          </p:nvSpPr>
+          <p:spPr>
+            <a:xfrm>
+              <a:off x="751695" y="1758630"/>
+              <a:ext cx="1358081" cy="685799"/>
+            </a:xfrm>
+            <a:prstGeom prst="rect">
+              <a:avLst/>
+            </a:prstGeom>
+            <a:solidFill>
+              <a:schemeClr val="accent4">
+                <a:lumMod val="75000"/>
+              </a:schemeClr>
+            </a:solidFill>
+            <a:ln w="19050" cap="flat" cmpd="sng">
+              <a:solidFill>
+                <a:schemeClr val="lt1"/>
+              </a:solidFill>
+              <a:prstDash val="solid"/>
+              <a:miter lim="800000"/>
+              <a:headEnd type="none" w="sm" len="sm"/>
+              <a:tailEnd type="none" w="sm" len="sm"/>
+            </a:ln>
+          </p:spPr>
+          <p:txBody>
+            <a:bodyPr spcFirstLastPara="1" wrap="square" lIns="68575" tIns="34275" rIns="68575" bIns="34275" anchor="ctr" anchorCtr="0">
+              <a:noAutofit/>
+            </a:bodyPr>
+            <a:lstStyle/>
+            <a:p>
+              <a:pPr marL="0" marR="0" lvl="0" indent="0" algn="ctr" rtl="0">
+                <a:spcBef>
+                  <a:spcPts val="0"/>
+                </a:spcBef>
+                <a:spcAft>
+                  <a:spcPts val="0"/>
+                </a:spcAft>
+                <a:buNone/>
+              </a:pPr>
+              <a:r>
+                <a:rPr lang="en" sz="1100" dirty="0">
+                  <a:solidFill>
+                    <a:schemeClr val="bg1"/>
+                  </a:solidFill>
+                </a:rPr>
+                <a:t>Protein Data Bank + Thera-SAbDab</a:t>
+              </a:r>
+              <a:endParaRPr sz="1050" dirty="0">
+                <a:solidFill>
+                  <a:schemeClr val="bg1"/>
+                </a:solidFill>
+              </a:endParaRPr>
+            </a:p>
+          </p:txBody>
+        </p:sp>
+        <p:cxnSp>
+          <p:nvCxnSpPr>
+            <p:cNvPr id="19" name="Connector: Elbow 14">
+              <a:extLst>
+                <a:ext uri="{FF2B5EF4-FFF2-40B4-BE49-F238E27FC236}">
+                  <a16:creationId xmlns:a16="http://schemas.microsoft.com/office/drawing/2014/main" id="{6E59C009-86D9-FB9B-9F83-A4BBA57AA011}"/>
+                </a:ext>
+              </a:extLst>
+            </p:cNvPr>
+            <p:cNvCxnSpPr>
+              <a:cxnSpLocks/>
+              <a:stCxn id="14" idx="2"/>
+              <a:endCxn id="12" idx="0"/>
+            </p:cNvCxnSpPr>
+            <p:nvPr/>
+          </p:nvCxnSpPr>
+          <p:spPr>
+            <a:xfrm rot="5400000">
+              <a:off x="3157171" y="1980411"/>
+              <a:ext cx="334375" cy="1262412"/>
+            </a:xfrm>
+            <a:prstGeom prst="bentConnector3">
+              <a:avLst>
+                <a:gd name="adj1" fmla="val 50000"/>
+              </a:avLst>
+            </a:prstGeom>
+            <a:ln w="38100">
+              <a:solidFill>
+                <a:srgbClr val="802F2D"/>
+              </a:solidFill>
+              <a:headEnd type="oval" w="med" len="med"/>
+              <a:tailEnd type="triangle" w="med" len="med"/>
+            </a:ln>
+          </p:spPr>
+          <p:style>
+            <a:lnRef idx="2">
+              <a:schemeClr val="accent1"/>
+            </a:lnRef>
+            <a:fillRef idx="0">
+              <a:schemeClr val="accent1"/>
+            </a:fillRef>
+            <a:effectRef idx="1">
+              <a:schemeClr val="accent1"/>
+            </a:effectRef>
+            <a:fontRef idx="minor">
+              <a:schemeClr val="tx1"/>
+            </a:fontRef>
+          </p:style>
+        </p:cxnSp>
+        <p:sp>
+          <p:nvSpPr>
+            <p:cNvPr id="20" name="Google Shape;240;p41">
+              <a:extLst>
+                <a:ext uri="{FF2B5EF4-FFF2-40B4-BE49-F238E27FC236}">
+                  <a16:creationId xmlns:a16="http://schemas.microsoft.com/office/drawing/2014/main" id="{F1F48E57-73DC-9776-83CB-616B5347C995}"/>
+                </a:ext>
+              </a:extLst>
+            </p:cNvPr>
+            <p:cNvSpPr/>
+            <p:nvPr/>
+          </p:nvSpPr>
+          <p:spPr>
+            <a:xfrm>
+              <a:off x="635753" y="4213130"/>
+              <a:ext cx="4114798" cy="300628"/>
+            </a:xfrm>
+            <a:prstGeom prst="rect">
+              <a:avLst/>
+            </a:prstGeom>
+            <a:solidFill>
+              <a:schemeClr val="bg2">
+                <a:lumMod val="10000"/>
+              </a:schemeClr>
+            </a:solidFill>
+            <a:ln w="19050" cap="flat" cmpd="sng">
+              <a:solidFill>
+                <a:schemeClr val="lt1"/>
+              </a:solidFill>
+              <a:prstDash val="solid"/>
+              <a:miter lim="800000"/>
+              <a:headEnd type="none" w="sm" len="sm"/>
+              <a:tailEnd type="none" w="sm" len="sm"/>
+            </a:ln>
+          </p:spPr>
+          <p:txBody>
+            <a:bodyPr spcFirstLastPara="1" wrap="square" lIns="68575" tIns="34275" rIns="68575" bIns="34275" anchor="ctr" anchorCtr="0">
+              <a:noAutofit/>
+            </a:bodyPr>
+            <a:lstStyle/>
+            <a:p>
+              <a:pPr marL="0" marR="0" lvl="0" indent="0" algn="ctr" rtl="0">
+                <a:spcBef>
+                  <a:spcPts val="0"/>
+                </a:spcBef>
+                <a:spcAft>
+                  <a:spcPts val="0"/>
+                </a:spcAft>
+                <a:buNone/>
+              </a:pPr>
+              <a:r>
+                <a:rPr lang="en-US" sz="1200" dirty="0">
+                  <a:solidFill>
+                    <a:schemeClr val="lt1"/>
+                  </a:solidFill>
+                  <a:latin typeface="Arial" panose="020B0604020202020204" pitchFamily="34" charset="0"/>
+                  <a:cs typeface="Arial" panose="020B0604020202020204" pitchFamily="34" charset="0"/>
+                </a:rPr>
+                <a:t>Outputs</a:t>
+              </a:r>
+              <a:endParaRPr sz="1100" dirty="0">
+                <a:latin typeface="Arial" panose="020B0604020202020204" pitchFamily="34" charset="0"/>
+                <a:cs typeface="Arial" panose="020B0604020202020204" pitchFamily="34" charset="0"/>
+              </a:endParaRPr>
+            </a:p>
+          </p:txBody>
+        </p:sp>
+        <p:sp>
+          <p:nvSpPr>
+            <p:cNvPr id="21" name="Google Shape;240;p41">
+              <a:extLst>
+                <a:ext uri="{FF2B5EF4-FFF2-40B4-BE49-F238E27FC236}">
+                  <a16:creationId xmlns:a16="http://schemas.microsoft.com/office/drawing/2014/main" id="{D0662C82-F9CF-8BE1-C5CC-89A3ED7ACFA4}"/>
+                </a:ext>
+              </a:extLst>
+            </p:cNvPr>
+            <p:cNvSpPr/>
+            <p:nvPr/>
+          </p:nvSpPr>
+          <p:spPr>
+            <a:xfrm>
+              <a:off x="635751" y="4511719"/>
+              <a:ext cx="4114800" cy="914400"/>
+            </a:xfrm>
+            <a:prstGeom prst="rect">
+              <a:avLst/>
+            </a:prstGeom>
+            <a:solidFill>
+              <a:schemeClr val="tx1">
+                <a:lumMod val="65000"/>
+                <a:lumOff val="35000"/>
+              </a:schemeClr>
+            </a:solidFill>
+            <a:ln w="19050" cap="flat" cmpd="sng">
+              <a:solidFill>
+                <a:schemeClr val="lt1"/>
+              </a:solidFill>
+              <a:prstDash val="solid"/>
+              <a:miter lim="800000"/>
+              <a:headEnd type="none" w="sm" len="sm"/>
+              <a:tailEnd type="none" w="sm" len="sm"/>
+            </a:ln>
+          </p:spPr>
+          <p:txBody>
+            <a:bodyPr spcFirstLastPara="1" wrap="square" lIns="68575" tIns="34275" rIns="68575" bIns="34275" anchor="ctr" anchorCtr="0">
+              <a:noAutofit/>
+            </a:bodyPr>
+            <a:lstStyle/>
+            <a:p>
+              <a:pPr marL="0" marR="0" lvl="0" indent="0" algn="ctr" rtl="0">
+                <a:spcBef>
+                  <a:spcPts val="0"/>
+                </a:spcBef>
+                <a:spcAft>
+                  <a:spcPts val="0"/>
+                </a:spcAft>
+                <a:buNone/>
+              </a:pPr>
+              <a:endParaRPr sz="1100" dirty="0">
+                <a:latin typeface="Arial" panose="020B0604020202020204" pitchFamily="34" charset="0"/>
+                <a:cs typeface="Arial" panose="020B0604020202020204" pitchFamily="34" charset="0"/>
+              </a:endParaRPr>
+            </a:p>
+          </p:txBody>
+        </p:sp>
+        <p:sp>
+          <p:nvSpPr>
+            <p:cNvPr id="22" name="Google Shape;240;p41">
+              <a:extLst>
+                <a:ext uri="{FF2B5EF4-FFF2-40B4-BE49-F238E27FC236}">
+                  <a16:creationId xmlns:a16="http://schemas.microsoft.com/office/drawing/2014/main" id="{ADDD2178-0138-967F-05CB-994926008698}"/>
+                </a:ext>
+              </a:extLst>
+            </p:cNvPr>
+            <p:cNvSpPr/>
+            <p:nvPr/>
+          </p:nvSpPr>
+          <p:spPr>
+            <a:xfrm>
+              <a:off x="2285561" y="4812346"/>
+              <a:ext cx="990962" cy="501511"/>
+            </a:xfrm>
+            <a:prstGeom prst="rect">
+              <a:avLst/>
+            </a:prstGeom>
+            <a:solidFill>
+              <a:srgbClr val="802F2D"/>
+            </a:solidFill>
+            <a:ln w="19050" cap="flat" cmpd="sng">
+              <a:solidFill>
+                <a:schemeClr val="lt1"/>
+              </a:solidFill>
+              <a:prstDash val="solid"/>
+              <a:miter lim="800000"/>
+              <a:headEnd type="none" w="sm" len="sm"/>
+              <a:tailEnd type="none" w="sm" len="sm"/>
+            </a:ln>
+          </p:spPr>
+          <p:txBody>
+            <a:bodyPr spcFirstLastPara="1" wrap="square" lIns="68575" tIns="34275" rIns="68575" bIns="34275" anchor="ctr" anchorCtr="0">
+              <a:noAutofit/>
+            </a:bodyPr>
+            <a:lstStyle/>
+            <a:p>
+              <a:pPr marL="0" marR="0" lvl="0" indent="0" algn="ctr" rtl="0">
+                <a:spcBef>
+                  <a:spcPts val="0"/>
+                </a:spcBef>
+                <a:spcAft>
+                  <a:spcPts val="0"/>
+                </a:spcAft>
+                <a:buNone/>
+              </a:pPr>
+              <a:r>
+                <a:rPr lang="en" sz="1100" dirty="0">
+                  <a:solidFill>
+                    <a:schemeClr val="bg1"/>
+                  </a:solidFill>
+                </a:rPr>
+                <a:t>Binding Metrics</a:t>
+              </a:r>
+            </a:p>
+          </p:txBody>
+        </p:sp>
+        <p:sp>
+          <p:nvSpPr>
+            <p:cNvPr id="23" name="Google Shape;240;p41">
+              <a:extLst>
+                <a:ext uri="{FF2B5EF4-FFF2-40B4-BE49-F238E27FC236}">
+                  <a16:creationId xmlns:a16="http://schemas.microsoft.com/office/drawing/2014/main" id="{C05BC4D8-4344-09FB-5490-699A7A57819B}"/>
+                </a:ext>
+              </a:extLst>
+            </p:cNvPr>
+            <p:cNvSpPr/>
+            <p:nvPr/>
+          </p:nvSpPr>
+          <p:spPr>
+            <a:xfrm>
+              <a:off x="3467856" y="4798227"/>
+              <a:ext cx="1165497" cy="521208"/>
+            </a:xfrm>
+            <a:prstGeom prst="rect">
+              <a:avLst/>
+            </a:prstGeom>
+            <a:solidFill>
+              <a:srgbClr val="802F2D"/>
+            </a:solidFill>
+            <a:ln w="19050" cap="flat" cmpd="sng">
+              <a:solidFill>
+                <a:schemeClr val="lt1"/>
+              </a:solidFill>
+              <a:prstDash val="solid"/>
+              <a:miter lim="800000"/>
+              <a:headEnd type="none" w="sm" len="sm"/>
+              <a:tailEnd type="none" w="sm" len="sm"/>
+            </a:ln>
+          </p:spPr>
+          <p:txBody>
+            <a:bodyPr spcFirstLastPara="1" wrap="square" lIns="68575" tIns="34275" rIns="68575" bIns="34275" anchor="ctr" anchorCtr="0">
+              <a:noAutofit/>
+            </a:bodyPr>
+            <a:lstStyle/>
+            <a:p>
+              <a:pPr marL="0" marR="0" lvl="0" indent="0" algn="ctr" rtl="0">
+                <a:spcBef>
+                  <a:spcPts val="0"/>
+                </a:spcBef>
+                <a:spcAft>
+                  <a:spcPts val="0"/>
+                </a:spcAft>
+                <a:buNone/>
+              </a:pPr>
+              <a:r>
+                <a:rPr lang="en" sz="1100" dirty="0">
+                  <a:solidFill>
+                    <a:schemeClr val="bg1"/>
+                  </a:solidFill>
+                </a:rPr>
+                <a:t>Summary</a:t>
+              </a:r>
+            </a:p>
+            <a:p>
+              <a:pPr marL="0" marR="0" lvl="0" indent="0" algn="ctr" rtl="0">
+                <a:spcBef>
+                  <a:spcPts val="0"/>
+                </a:spcBef>
+                <a:spcAft>
+                  <a:spcPts val="0"/>
+                </a:spcAft>
+                <a:buNone/>
+              </a:pPr>
+              <a:r>
+                <a:rPr lang="en" sz="1100" dirty="0">
+                  <a:solidFill>
+                    <a:schemeClr val="bg1"/>
+                  </a:solidFill>
+                </a:rPr>
+                <a:t>Report</a:t>
+              </a:r>
+              <a:endParaRPr sz="1050" dirty="0">
+                <a:solidFill>
+                  <a:schemeClr val="bg1"/>
+                </a:solidFill>
+              </a:endParaRPr>
+            </a:p>
+          </p:txBody>
+        </p:sp>
+        <p:cxnSp>
+          <p:nvCxnSpPr>
+            <p:cNvPr id="24" name="Connector: Elbow 23">
+              <a:extLst>
+                <a:ext uri="{FF2B5EF4-FFF2-40B4-BE49-F238E27FC236}">
+                  <a16:creationId xmlns:a16="http://schemas.microsoft.com/office/drawing/2014/main" id="{F5A55F4E-4EA3-350E-8BE4-B6FE7795CEC1}"/>
+                </a:ext>
+              </a:extLst>
+            </p:cNvPr>
+            <p:cNvCxnSpPr>
+              <a:cxnSpLocks/>
+              <a:stCxn id="17" idx="2"/>
+              <a:endCxn id="20" idx="0"/>
+            </p:cNvCxnSpPr>
+            <p:nvPr/>
+          </p:nvCxnSpPr>
+          <p:spPr>
+            <a:xfrm rot="5400000">
+              <a:off x="3205393" y="3367292"/>
+              <a:ext cx="333598" cy="1358079"/>
+            </a:xfrm>
+            <a:prstGeom prst="bentConnector3">
+              <a:avLst>
+                <a:gd name="adj1" fmla="val 50000"/>
+              </a:avLst>
+            </a:prstGeom>
+            <a:ln w="38100">
+              <a:solidFill>
+                <a:srgbClr val="802F2D"/>
+              </a:solidFill>
+              <a:headEnd type="oval" w="med" len="med"/>
+              <a:tailEnd type="triangle" w="med" len="med"/>
+            </a:ln>
+          </p:spPr>
+          <p:style>
+            <a:lnRef idx="2">
+              <a:schemeClr val="accent1"/>
+            </a:lnRef>
+            <a:fillRef idx="0">
+              <a:schemeClr val="accent1"/>
+            </a:fillRef>
+            <a:effectRef idx="1">
+              <a:schemeClr val="accent1"/>
+            </a:effectRef>
+            <a:fontRef idx="minor">
+              <a:schemeClr val="tx1"/>
+            </a:fontRef>
+          </p:style>
+        </p:cxnSp>
+        <p:sp>
+          <p:nvSpPr>
+            <p:cNvPr id="25" name="TextBox 24">
+              <a:extLst>
+                <a:ext uri="{FF2B5EF4-FFF2-40B4-BE49-F238E27FC236}">
+                  <a16:creationId xmlns:a16="http://schemas.microsoft.com/office/drawing/2014/main" id="{2B2597AB-CB8F-96CF-B52D-01930BE78E69}"/>
+                </a:ext>
+              </a:extLst>
+            </p:cNvPr>
+            <p:cNvSpPr txBox="1"/>
+            <p:nvPr/>
+          </p:nvSpPr>
+          <p:spPr>
+            <a:xfrm>
+              <a:off x="707527" y="5017355"/>
+              <a:ext cx="1472160" cy="369332"/>
+            </a:xfrm>
+            <a:prstGeom prst="rect">
+              <a:avLst/>
+            </a:prstGeom>
+            <a:noFill/>
+          </p:spPr>
+          <p:txBody>
+            <a:bodyPr wrap="square" rtlCol="0">
+              <a:spAutoFit/>
+            </a:bodyPr>
+            <a:lstStyle/>
+            <a:p>
+              <a:pPr algn="ctr"/>
+              <a:r>
+                <a:rPr lang="en-US" sz="900" dirty="0">
+                  <a:solidFill>
+                    <a:schemeClr val="bg1"/>
+                  </a:solidFill>
+                  <a:latin typeface="Arial" panose="020B0604020202020204" pitchFamily="34" charset="0"/>
+                  <a:cs typeface="Arial" panose="020B0604020202020204" pitchFamily="34" charset="0"/>
+                </a:rPr>
+                <a:t>Diffused Antibodies bound to Antigen</a:t>
+              </a:r>
+            </a:p>
+          </p:txBody>
+        </p:sp>
+        <p:grpSp>
+          <p:nvGrpSpPr>
+            <p:cNvPr id="26" name="Group 25">
+              <a:extLst>
+                <a:ext uri="{FF2B5EF4-FFF2-40B4-BE49-F238E27FC236}">
+                  <a16:creationId xmlns:a16="http://schemas.microsoft.com/office/drawing/2014/main" id="{B3447CF6-52A2-D1B3-B3C7-A2C8128291D0}"/>
+                </a:ext>
+              </a:extLst>
+            </p:cNvPr>
+            <p:cNvGrpSpPr/>
+            <p:nvPr/>
+          </p:nvGrpSpPr>
+          <p:grpSpPr>
+            <a:xfrm>
+              <a:off x="679987" y="4588176"/>
+              <a:ext cx="1820362" cy="521208"/>
+              <a:chOff x="2122886" y="4681880"/>
+              <a:chExt cx="1820362" cy="521208"/>
+            </a:xfrm>
+          </p:grpSpPr>
+          <p:pic>
+            <p:nvPicPr>
+              <p:cNvPr id="27" name="Google Shape;306;p44" title="gilded-stud.png">
+                <a:extLst>
+                  <a:ext uri="{FF2B5EF4-FFF2-40B4-BE49-F238E27FC236}">
+                    <a16:creationId xmlns:a16="http://schemas.microsoft.com/office/drawing/2014/main" id="{6161A9D4-AE57-B636-98B8-988190599ADB}"/>
+                  </a:ext>
+                </a:extLst>
+              </p:cNvPr>
+              <p:cNvPicPr preferRelativeResize="0">
+                <a:picLocks noChangeAspect="1"/>
+              </p:cNvPicPr>
+              <p:nvPr/>
+            </p:nvPicPr>
+            <p:blipFill>
+              <a:blip r:embed="rId8">
+                <a:alphaModFix/>
+              </a:blip>
+              <a:srcRect l="25120"/>
+              <a:stretch/>
+            </p:blipFill>
+            <p:spPr>
+              <a:xfrm>
+                <a:off x="2122886" y="4681880"/>
+                <a:ext cx="873762" cy="521208"/>
+              </a:xfrm>
+              <a:prstGeom prst="rect">
+                <a:avLst/>
+              </a:prstGeom>
+              <a:noFill/>
+              <a:ln>
+                <a:noFill/>
+              </a:ln>
+            </p:spPr>
+          </p:pic>
+          <p:pic>
+            <p:nvPicPr>
+              <p:cNvPr id="28" name="Google Shape;307;p44" title="intentive-amarone.png">
+                <a:extLst>
+                  <a:ext uri="{FF2B5EF4-FFF2-40B4-BE49-F238E27FC236}">
+                    <a16:creationId xmlns:a16="http://schemas.microsoft.com/office/drawing/2014/main" id="{3F481450-2EB7-9B4A-7369-6CF92F631431}"/>
+                  </a:ext>
+                </a:extLst>
+              </p:cNvPr>
+              <p:cNvPicPr preferRelativeResize="0">
+                <a:picLocks noChangeAspect="1"/>
+              </p:cNvPicPr>
+              <p:nvPr/>
+            </p:nvPicPr>
+            <p:blipFill>
+              <a:blip r:embed="rId9">
+                <a:alphaModFix/>
+              </a:blip>
+              <a:stretch>
+                <a:fillRect/>
+              </a:stretch>
+            </p:blipFill>
+            <p:spPr>
+              <a:xfrm>
+                <a:off x="2122886" y="4681880"/>
+                <a:ext cx="1166884" cy="521208"/>
+              </a:xfrm>
+              <a:prstGeom prst="rect">
+                <a:avLst/>
+              </a:prstGeom>
+              <a:noFill/>
+              <a:ln>
+                <a:noFill/>
+              </a:ln>
+            </p:spPr>
+          </p:pic>
+          <p:pic>
+            <p:nvPicPr>
+              <p:cNvPr id="29" name="Google Shape;308;p44" title="free-hearth.png">
+                <a:extLst>
+                  <a:ext uri="{FF2B5EF4-FFF2-40B4-BE49-F238E27FC236}">
+                    <a16:creationId xmlns:a16="http://schemas.microsoft.com/office/drawing/2014/main" id="{7F0B4F03-A5AC-A56F-EAE9-DC21264B1D4D}"/>
+                  </a:ext>
+                </a:extLst>
+              </p:cNvPr>
+              <p:cNvPicPr preferRelativeResize="0">
+                <a:picLocks noChangeAspect="1"/>
+              </p:cNvPicPr>
+              <p:nvPr/>
+            </p:nvPicPr>
+            <p:blipFill>
+              <a:blip r:embed="rId10">
+                <a:alphaModFix/>
+              </a:blip>
+              <a:stretch>
+                <a:fillRect/>
+              </a:stretch>
+            </p:blipFill>
+            <p:spPr>
+              <a:xfrm>
+                <a:off x="2504171" y="4681880"/>
+                <a:ext cx="1166884" cy="521208"/>
+              </a:xfrm>
+              <a:prstGeom prst="rect">
+                <a:avLst/>
+              </a:prstGeom>
+              <a:noFill/>
+              <a:ln>
+                <a:noFill/>
+              </a:ln>
+            </p:spPr>
+          </p:pic>
+          <p:pic>
+            <p:nvPicPr>
+              <p:cNvPr id="30" name="Google Shape;309;p44" title="concave-glove.png">
+                <a:extLst>
+                  <a:ext uri="{FF2B5EF4-FFF2-40B4-BE49-F238E27FC236}">
+                    <a16:creationId xmlns:a16="http://schemas.microsoft.com/office/drawing/2014/main" id="{71A9486E-BB46-3873-7691-19801DCBEDAF}"/>
+                  </a:ext>
+                </a:extLst>
+              </p:cNvPr>
+              <p:cNvPicPr preferRelativeResize="0">
+                <a:picLocks noChangeAspect="1"/>
+              </p:cNvPicPr>
+              <p:nvPr/>
+            </p:nvPicPr>
+            <p:blipFill>
+              <a:blip r:embed="rId11">
+                <a:alphaModFix/>
+              </a:blip>
+              <a:stretch>
+                <a:fillRect/>
+              </a:stretch>
+            </p:blipFill>
+            <p:spPr>
+              <a:xfrm>
+                <a:off x="2776364" y="4681880"/>
+                <a:ext cx="1166884" cy="521208"/>
+              </a:xfrm>
+              <a:prstGeom prst="rect">
+                <a:avLst/>
+              </a:prstGeom>
+              <a:noFill/>
+              <a:ln>
+                <a:noFill/>
+              </a:ln>
+            </p:spPr>
+          </p:pic>
+        </p:grpSp>
+        <p:cxnSp>
+          <p:nvCxnSpPr>
+            <p:cNvPr id="31" name="Straight Arrow Connector 30">
+              <a:extLst>
+                <a:ext uri="{FF2B5EF4-FFF2-40B4-BE49-F238E27FC236}">
+                  <a16:creationId xmlns:a16="http://schemas.microsoft.com/office/drawing/2014/main" id="{7F14E609-4E2A-FB17-AAA3-985FEB5C9040}"/>
+                </a:ext>
+              </a:extLst>
+            </p:cNvPr>
+            <p:cNvCxnSpPr>
+              <a:cxnSpLocks/>
+              <a:stCxn id="15" idx="3"/>
+              <a:endCxn id="16" idx="1"/>
+            </p:cNvCxnSpPr>
+            <p:nvPr/>
+          </p:nvCxnSpPr>
+          <p:spPr>
+            <a:xfrm>
+              <a:off x="1918445" y="3628777"/>
+              <a:ext cx="191331" cy="0"/>
+            </a:xfrm>
+            <a:prstGeom prst="straightConnector1">
+              <a:avLst/>
+            </a:prstGeom>
+            <a:ln w="28575">
+              <a:solidFill>
+                <a:schemeClr val="bg1"/>
+              </a:solidFill>
+              <a:tailEnd type="triangle"/>
+            </a:ln>
+          </p:spPr>
+          <p:style>
+            <a:lnRef idx="2">
+              <a:schemeClr val="accent1"/>
+            </a:lnRef>
+            <a:fillRef idx="0">
+              <a:schemeClr val="accent1"/>
+            </a:fillRef>
+            <a:effectRef idx="1">
+              <a:schemeClr val="accent1"/>
+            </a:effectRef>
+            <a:fontRef idx="minor">
+              <a:schemeClr val="tx1"/>
+            </a:fontRef>
+          </p:style>
+        </p:cxnSp>
+        <p:cxnSp>
+          <p:nvCxnSpPr>
+            <p:cNvPr id="32" name="Straight Arrow Connector 31">
+              <a:extLst>
+                <a:ext uri="{FF2B5EF4-FFF2-40B4-BE49-F238E27FC236}">
+                  <a16:creationId xmlns:a16="http://schemas.microsoft.com/office/drawing/2014/main" id="{F86F154B-6DED-5FB8-EBE1-B29D57DB9C6A}"/>
+                </a:ext>
+              </a:extLst>
+            </p:cNvPr>
+            <p:cNvCxnSpPr>
+              <a:cxnSpLocks/>
+              <a:stCxn id="16" idx="3"/>
+              <a:endCxn id="17" idx="1"/>
+            </p:cNvCxnSpPr>
+            <p:nvPr/>
+          </p:nvCxnSpPr>
+          <p:spPr>
+            <a:xfrm>
+              <a:off x="3276525" y="3628777"/>
+              <a:ext cx="191331" cy="0"/>
+            </a:xfrm>
+            <a:prstGeom prst="straightConnector1">
+              <a:avLst/>
+            </a:prstGeom>
+            <a:ln w="28575">
+              <a:solidFill>
+                <a:schemeClr val="bg1"/>
+              </a:solidFill>
+              <a:tailEnd type="triangle"/>
+            </a:ln>
+          </p:spPr>
+          <p:style>
+            <a:lnRef idx="2">
+              <a:schemeClr val="accent1"/>
+            </a:lnRef>
+            <a:fillRef idx="0">
+              <a:schemeClr val="accent1"/>
+            </a:fillRef>
+            <a:effectRef idx="1">
+              <a:schemeClr val="accent1"/>
+            </a:effectRef>
+            <a:fontRef idx="minor">
+              <a:schemeClr val="tx1"/>
+            </a:fontRef>
+          </p:style>
+        </p:cxnSp>
+        <p:cxnSp>
+          <p:nvCxnSpPr>
+            <p:cNvPr id="33" name="Straight Arrow Connector 32">
+              <a:extLst>
+                <a:ext uri="{FF2B5EF4-FFF2-40B4-BE49-F238E27FC236}">
+                  <a16:creationId xmlns:a16="http://schemas.microsoft.com/office/drawing/2014/main" id="{E899D835-7CE7-BFF4-6B37-631CCD5F61DB}"/>
+                </a:ext>
+              </a:extLst>
+            </p:cNvPr>
+            <p:cNvCxnSpPr>
+              <a:cxnSpLocks/>
+              <a:stCxn id="18" idx="3"/>
+            </p:cNvCxnSpPr>
+            <p:nvPr/>
+          </p:nvCxnSpPr>
+          <p:spPr>
+            <a:xfrm>
+              <a:off x="2109776" y="2101530"/>
+              <a:ext cx="257879" cy="0"/>
+            </a:xfrm>
+            <a:prstGeom prst="straightConnector1">
+              <a:avLst/>
+            </a:prstGeom>
+            <a:ln w="28575">
+              <a:solidFill>
+                <a:schemeClr val="bg1"/>
+              </a:solidFill>
+              <a:tailEnd type="triangle"/>
+            </a:ln>
+          </p:spPr>
+          <p:style>
+            <a:lnRef idx="2">
+              <a:schemeClr val="accent1"/>
+            </a:lnRef>
+            <a:fillRef idx="0">
+              <a:schemeClr val="accent1"/>
+            </a:fillRef>
+            <a:effectRef idx="1">
+              <a:schemeClr val="accent1"/>
+            </a:effectRef>
+            <a:fontRef idx="minor">
+              <a:schemeClr val="tx1"/>
+            </a:fontRef>
+          </p:style>
+        </p:cxnSp>
+        <p:cxnSp>
+          <p:nvCxnSpPr>
+            <p:cNvPr id="34" name="Straight Arrow Connector 33">
+              <a:extLst>
+                <a:ext uri="{FF2B5EF4-FFF2-40B4-BE49-F238E27FC236}">
+                  <a16:creationId xmlns:a16="http://schemas.microsoft.com/office/drawing/2014/main" id="{87F08389-81C9-2BF2-462C-0FC4C589C2ED}"/>
+                </a:ext>
+              </a:extLst>
+            </p:cNvPr>
+            <p:cNvCxnSpPr>
+              <a:cxnSpLocks/>
+              <a:endCxn id="14" idx="1"/>
+            </p:cNvCxnSpPr>
+            <p:nvPr/>
+          </p:nvCxnSpPr>
+          <p:spPr>
+            <a:xfrm>
+              <a:off x="3018644" y="2100755"/>
+              <a:ext cx="257879" cy="776"/>
+            </a:xfrm>
+            <a:prstGeom prst="straightConnector1">
+              <a:avLst/>
+            </a:prstGeom>
+            <a:ln w="28575">
+              <a:solidFill>
+                <a:schemeClr val="bg1"/>
+              </a:solidFill>
+              <a:tailEnd type="triangle"/>
+            </a:ln>
+          </p:spPr>
+          <p:style>
+            <a:lnRef idx="2">
+              <a:schemeClr val="accent1"/>
+            </a:lnRef>
+            <a:fillRef idx="0">
+              <a:schemeClr val="accent1"/>
+            </a:fillRef>
+            <a:effectRef idx="1">
+              <a:schemeClr val="accent1"/>
+            </a:effectRef>
+            <a:fontRef idx="minor">
+              <a:schemeClr val="tx1"/>
+            </a:fontRef>
+          </p:style>
+        </p:cxnSp>
+        <p:pic>
+          <p:nvPicPr>
+            <p:cNvPr id="35" name="Picture 34" descr="A green and yellow string&#10;&#10;Description automatically generated with medium confidence">
+              <a:extLst>
+                <a:ext uri="{FF2B5EF4-FFF2-40B4-BE49-F238E27FC236}">
+                  <a16:creationId xmlns:a16="http://schemas.microsoft.com/office/drawing/2014/main" id="{8A502F81-35A7-53C2-53A3-A5353447CE6A}"/>
+                </a:ext>
+              </a:extLst>
+            </p:cNvPr>
+            <p:cNvPicPr>
+              <a:picLocks noChangeAspect="1"/>
+            </p:cNvPicPr>
+            <p:nvPr/>
+          </p:nvPicPr>
+          <p:blipFill>
+            <a:blip r:embed="rId12">
+              <a:duotone>
+                <a:schemeClr val="bg2">
+                  <a:shade val="45000"/>
+                  <a:satMod val="135000"/>
+                </a:schemeClr>
+                <a:prstClr val="white"/>
+              </a:duotone>
+              <a:extLst>
+                <a:ext uri="{BEBA8EAE-BF5A-486C-A8C5-ECC9F3942E4B}">
+                  <a14:imgProps xmlns:a14="http://schemas.microsoft.com/office/drawing/2010/main">
+                    <a14:imgLayer r:embed="rId13">
+                      <a14:imgEffect>
+                        <a14:brightnessContrast bright="40000" contrast="-40000"/>
+                      </a14:imgEffect>
+                    </a14:imgLayer>
+                  </a14:imgProps>
+                </a:ext>
+                <a:ext uri="{28A0092B-C50C-407E-A947-70E740481C1C}">
+                  <a14:useLocalDpi xmlns:a14="http://schemas.microsoft.com/office/drawing/2010/main" val="0"/>
+                </a:ext>
+              </a:extLst>
+            </a:blip>
+            <a:stretch>
+              <a:fillRect/>
+            </a:stretch>
+          </p:blipFill>
+          <p:spPr>
+            <a:xfrm>
+              <a:off x="2532307" y="3081836"/>
+              <a:ext cx="320040" cy="320040"/>
+            </a:xfrm>
+            <a:prstGeom prst="rect">
+              <a:avLst/>
+            </a:prstGeom>
+          </p:spPr>
+        </p:pic>
+        <p:pic>
+          <p:nvPicPr>
+            <p:cNvPr id="36" name="Google Shape;315;p44" title="soft-spook.png">
+              <a:extLst>
+                <a:ext uri="{FF2B5EF4-FFF2-40B4-BE49-F238E27FC236}">
+                  <a16:creationId xmlns:a16="http://schemas.microsoft.com/office/drawing/2014/main" id="{24609F72-F049-B28C-7672-F51970E0BB99}"/>
+                </a:ext>
+              </a:extLst>
+            </p:cNvPr>
+            <p:cNvPicPr preferRelativeResize="0"/>
+            <p:nvPr/>
+          </p:nvPicPr>
+          <p:blipFill>
+            <a:blip r:embed="rId14">
+              <a:alphaModFix/>
+              <a:grayscl/>
+            </a:blip>
+            <a:stretch>
+              <a:fillRect/>
+            </a:stretch>
+          </p:blipFill>
+          <p:spPr>
+            <a:xfrm>
+              <a:off x="3511420" y="3032729"/>
+              <a:ext cx="1078367" cy="480951"/>
+            </a:xfrm>
+            <a:prstGeom prst="rect">
+              <a:avLst/>
+            </a:prstGeom>
+            <a:noFill/>
+            <a:ln>
+              <a:noFill/>
+            </a:ln>
+          </p:spPr>
+        </p:pic>
+        <p:sp>
+          <p:nvSpPr>
+            <p:cNvPr id="37" name="TextBox 36">
+              <a:extLst>
+                <a:ext uri="{FF2B5EF4-FFF2-40B4-BE49-F238E27FC236}">
+                  <a16:creationId xmlns:a16="http://schemas.microsoft.com/office/drawing/2014/main" id="{D337CB79-BB70-2089-868D-62FBFA2F9039}"/>
+                </a:ext>
+              </a:extLst>
+            </p:cNvPr>
+            <p:cNvSpPr txBox="1"/>
+            <p:nvPr/>
+          </p:nvSpPr>
+          <p:spPr>
+            <a:xfrm>
+              <a:off x="988673" y="3116410"/>
+              <a:ext cx="723275" cy="261610"/>
+            </a:xfrm>
+            <a:prstGeom prst="rect">
+              <a:avLst/>
+            </a:prstGeom>
+            <a:noFill/>
+          </p:spPr>
+          <p:txBody>
+            <a:bodyPr wrap="none" rtlCol="0">
+              <a:spAutoFit/>
+            </a:bodyPr>
+            <a:lstStyle/>
+            <a:p>
+              <a:r>
+                <a:rPr lang="en-US" sz="1050" dirty="0">
+                  <a:solidFill>
+                    <a:schemeClr val="bg1"/>
+                  </a:solidFill>
+                  <a:latin typeface="Consolas" panose="020B0609020204030204" pitchFamily="49" charset="0"/>
+                </a:rPr>
+                <a:t>EVQLVK…</a:t>
+              </a:r>
+            </a:p>
+          </p:txBody>
+        </p:sp>
+        <p:pic>
+          <p:nvPicPr>
+            <p:cNvPr id="38" name="Graphic 37" descr="Gauge with solid fill">
+              <a:extLst>
+                <a:ext uri="{FF2B5EF4-FFF2-40B4-BE49-F238E27FC236}">
+                  <a16:creationId xmlns:a16="http://schemas.microsoft.com/office/drawing/2014/main" id="{4A204200-19D9-B757-ED95-7206615BEAE6}"/>
+                </a:ext>
+              </a:extLst>
+            </p:cNvPr>
+            <p:cNvPicPr>
+              <a:picLocks noChangeAspect="1"/>
+            </p:cNvPicPr>
+            <p:nvPr/>
+          </p:nvPicPr>
+          <p:blipFill>
+            <a:blip r:embed="rId15">
+              <a:extLst>
+                <a:ext uri="{96DAC541-7B7A-43D3-8B79-37D633B846F1}">
+                  <asvg:svgBlip xmlns:asvg="http://schemas.microsoft.com/office/drawing/2016/SVG/main" r:embed="rId16"/>
+                </a:ext>
+              </a:extLst>
+            </a:blip>
+            <a:stretch>
+              <a:fillRect/>
+            </a:stretch>
+          </p:blipFill>
+          <p:spPr>
+            <a:xfrm>
+              <a:off x="2621022" y="4519062"/>
+              <a:ext cx="320040" cy="320040"/>
+            </a:xfrm>
+            <a:prstGeom prst="rect">
+              <a:avLst/>
+            </a:prstGeom>
+          </p:spPr>
+        </p:pic>
+        <p:pic>
+          <p:nvPicPr>
+            <p:cNvPr id="39" name="Graphic 38" descr="Bar chart with solid fill">
+              <a:extLst>
+                <a:ext uri="{FF2B5EF4-FFF2-40B4-BE49-F238E27FC236}">
+                  <a16:creationId xmlns:a16="http://schemas.microsoft.com/office/drawing/2014/main" id="{98F51E6F-EAF9-0F5D-BCDF-86BAB65B3C37}"/>
+                </a:ext>
+              </a:extLst>
+            </p:cNvPr>
+            <p:cNvPicPr>
+              <a:picLocks noChangeAspect="1"/>
+            </p:cNvPicPr>
+            <p:nvPr/>
+          </p:nvPicPr>
+          <p:blipFill>
+            <a:blip r:embed="rId17">
+              <a:extLst>
+                <a:ext uri="{96DAC541-7B7A-43D3-8B79-37D633B846F1}">
+                  <asvg:svgBlip xmlns:asvg="http://schemas.microsoft.com/office/drawing/2016/SVG/main" r:embed="rId18"/>
+                </a:ext>
+              </a:extLst>
+            </a:blip>
+            <a:stretch>
+              <a:fillRect/>
+            </a:stretch>
+          </p:blipFill>
+          <p:spPr>
+            <a:xfrm>
+              <a:off x="3890583" y="4503032"/>
+              <a:ext cx="320040" cy="320040"/>
+            </a:xfrm>
+            <a:prstGeom prst="rect">
+              <a:avLst/>
+            </a:prstGeom>
+          </p:spPr>
+        </p:pic>
+      </p:grpSp>
+      <p:pic>
+        <p:nvPicPr>
+          <p:cNvPr id="41" name="Graphic 40" descr="Caret Right with solid fill">
+            <a:extLst>
+              <a:ext uri="{FF2B5EF4-FFF2-40B4-BE49-F238E27FC236}">
+                <a16:creationId xmlns:a16="http://schemas.microsoft.com/office/drawing/2014/main" id="{DC2142D1-446B-61C6-8C9A-DA491834ABC3}"/>
+              </a:ext>
+            </a:extLst>
+          </p:cNvPr>
+          <p:cNvPicPr>
+            <a:picLocks noChangeAspect="1"/>
+          </p:cNvPicPr>
+          <p:nvPr/>
+        </p:nvPicPr>
+        <p:blipFill>
+          <a:blip r:embed="rId19">
+            <a:extLst>
+              <a:ext uri="{96DAC541-7B7A-43D3-8B79-37D633B846F1}">
+                <asvg:svgBlip xmlns:asvg="http://schemas.microsoft.com/office/drawing/2016/SVG/main" r:embed="rId20"/>
+              </a:ext>
+            </a:extLst>
+          </a:blip>
+          <a:stretch>
+            <a:fillRect/>
+          </a:stretch>
+        </p:blipFill>
+        <p:spPr>
+          <a:xfrm>
+            <a:off x="4889081" y="2971800"/>
+            <a:ext cx="914400" cy="914400"/>
+          </a:xfrm>
+          <a:prstGeom prst="rect">
+            <a:avLst/>
+          </a:prstGeom>
+        </p:spPr>
+      </p:pic>
+    </p:spTree>
+    <p:extLst>
+      <p:ext uri="{BB962C8B-B14F-4D97-AF65-F5344CB8AC3E}">
+        <p14:creationId xmlns:p14="http://schemas.microsoft.com/office/powerpoint/2010/main" val="2500832297"/>
+      </p:ext>
+    </p:extLst>
+  </p:cSld>
+  <p:clrMapOvr>
+    <a:masterClrMapping/>
+  </p:clrMapOvr>
+</p:sld>
+</file>
+
 <file path=ppt/theme/theme1.xml><?xml version="1.0" encoding="utf-8"?>
 <a:theme xmlns:a="http://schemas.openxmlformats.org/drawingml/2006/main" name="Office Theme">
   <a:themeElements>
